--- a/鞋子交易平台.pptx
+++ b/鞋子交易平台.pptx
@@ -230,7 +230,7 @@
           <a:p>
             <a:fld id="{02E24A29-24A8-4A46-B455-98C5AFC569DE}" type="datetimeFigureOut">
               <a:rPr lang="zh-CN" altLang="en-US" smtClean="0"/>
-              <a:t>2020/11/24</a:t>
+              <a:t>2020/11/25</a:t>
             </a:fld>
             <a:endParaRPr lang="zh-CN" altLang="en-US"/>
           </a:p>
@@ -2848,7 +2848,7 @@
           <a:p>
             <a:fld id="{530820CF-B880-4189-942D-D702A7CBA730}" type="datetimeFigureOut">
               <a:rPr lang="zh-CN" altLang="en-US" smtClean="0"/>
-              <a:t>2020/11/24</a:t>
+              <a:t>2020/11/25</a:t>
             </a:fld>
             <a:endParaRPr lang="zh-CN" altLang="en-US"/>
           </a:p>
@@ -7118,7 +7118,7 @@
           </a:p>
           <a:p>
             <a:r>
-              <a:rPr lang="zh-CN" altLang="en-US" sz="1600" dirty="0">
+              <a:rPr lang="zh-CN" altLang="en-US" sz="1600">
                 <a:solidFill>
                   <a:srgbClr val="FFFFFF"/>
                 </a:solidFill>
@@ -7127,10 +7127,10 @@
                 <a:cs typeface="Open Sans Light" panose="020B0306030504020204" pitchFamily="34" charset="0"/>
                 <a:sym typeface="微软雅黑" panose="020B0503020204020204" pitchFamily="34" charset="-122"/>
               </a:rPr>
-              <a:t>会显示全部商品的全部</a:t>
-            </a:r>
-            <a:r>
-              <a:rPr lang="zh-CN" altLang="en-US" sz="1600">
+              <a:t>管理员查看显示</a:t>
+            </a:r>
+            <a:r>
+              <a:rPr lang="zh-CN" altLang="en-US" sz="1600" dirty="0">
                 <a:solidFill>
                   <a:srgbClr val="FFFFFF"/>
                 </a:solidFill>
@@ -7139,43 +7139,7 @@
                 <a:cs typeface="Open Sans Light" panose="020B0306030504020204" pitchFamily="34" charset="0"/>
                 <a:sym typeface="微软雅黑" panose="020B0503020204020204" pitchFamily="34" charset="-122"/>
               </a:rPr>
-              <a:t>商品信息，可以根据商品名搜索得出相应的商品，</a:t>
-            </a:r>
-            <a:r>
-              <a:rPr lang="zh-CN" altLang="en-US" sz="1600" dirty="0">
-                <a:solidFill>
-                  <a:srgbClr val="FFFFFF"/>
-                </a:solidFill>
-                <a:latin typeface="Open Sans Light" panose="020B0306030504020204" pitchFamily="34" charset="0"/>
-                <a:ea typeface="微软雅黑" panose="020B0503020204020204" pitchFamily="34" charset="-122"/>
-                <a:cs typeface="Open Sans Light" panose="020B0306030504020204" pitchFamily="34" charset="0"/>
-                <a:sym typeface="微软雅黑" panose="020B0503020204020204" pitchFamily="34" charset="-122"/>
-              </a:rPr>
-              <a:t>并</a:t>
-            </a:r>
-            <a:r>
-              <a:rPr lang="zh-CN" altLang="en-US" sz="1600">
-                <a:solidFill>
-                  <a:srgbClr val="FFFFFF"/>
-                </a:solidFill>
-                <a:latin typeface="Open Sans Light" panose="020B0306030504020204" pitchFamily="34" charset="0"/>
-                <a:ea typeface="微软雅黑" panose="020B0503020204020204" pitchFamily="34" charset="-122"/>
-                <a:cs typeface="Open Sans Light" panose="020B0306030504020204" pitchFamily="34" charset="0"/>
-                <a:sym typeface="微软雅黑" panose="020B0503020204020204" pitchFamily="34" charset="-122"/>
-              </a:rPr>
-              <a:t>可以进行更改</a:t>
-            </a:r>
-            <a:r>
-              <a:rPr lang="zh-CN" altLang="en-US" sz="1600" dirty="0">
-                <a:solidFill>
-                  <a:srgbClr val="FFFFFF"/>
-                </a:solidFill>
-                <a:latin typeface="Open Sans Light" panose="020B0306030504020204" pitchFamily="34" charset="0"/>
-                <a:ea typeface="微软雅黑" panose="020B0503020204020204" pitchFamily="34" charset="-122"/>
-                <a:cs typeface="Open Sans Light" panose="020B0306030504020204" pitchFamily="34" charset="0"/>
-                <a:sym typeface="微软雅黑" panose="020B0503020204020204" pitchFamily="34" charset="-122"/>
-              </a:rPr>
-              <a:t>以及删除操作。</a:t>
+              <a:t>全部商品的全部商品信息，可以根据商品名搜索得出相应的商品，并可以进行更改以及删除操作。</a:t>
             </a:r>
             <a:endParaRPr lang="en-US" altLang="zh-CN" sz="1600" dirty="0">
               <a:solidFill>
@@ -9509,7 +9473,7 @@
                 <a:cs typeface="Open Sans Light" panose="020B0306030504020204" pitchFamily="34" charset="0"/>
                 <a:sym typeface="微软雅黑" panose="020B0503020204020204" pitchFamily="34" charset="-122"/>
               </a:rPr>
-              <a:t>会显示所有管理员上传的鞋子的名以及价格，可以根据鞋名进行搜索。点击商品图片可以进入购买页面。</a:t>
+              <a:t>显示所有管理员上传的鞋子的名以及价格，可以根据鞋名进行搜索。点击商品图片可以进入购买页面。</a:t>
             </a:r>
             <a:endParaRPr lang="en-US" altLang="zh-CN" sz="1600" dirty="0">
               <a:solidFill>
@@ -11239,7 +11203,7 @@
                 <a:cs typeface="Open Sans Light" panose="020B0306030504020204" pitchFamily="34" charset="0"/>
                 <a:sym typeface="微软雅黑" panose="020B0503020204020204" pitchFamily="34" charset="-122"/>
               </a:rPr>
-              <a:t>会显示商品的订单号、商品图片、商品名、尺寸、数量以及价格。可以根据订单号以及商品名进行搜索商品。</a:t>
+              <a:t>显示商品的订单号、商品图片、商品名、尺寸、数量以及价格。可以根据订单号以及商品名进行搜索商品。</a:t>
             </a:r>
             <a:endParaRPr lang="en-US" altLang="zh-CN" sz="1600" dirty="0">
               <a:solidFill>
@@ -11860,7 +11824,7 @@
         <p:spPr>
           <a:xfrm>
             <a:off x="6444208" y="1707654"/>
-            <a:ext cx="2304256" cy="2262158"/>
+            <a:ext cx="2304256" cy="2508379"/>
           </a:xfrm>
           <a:prstGeom prst="rect">
             <a:avLst/>
@@ -11916,7 +11880,7 @@
           </a:p>
           <a:p>
             <a:r>
-              <a:rPr lang="zh-CN" altLang="en-US" sz="1600" dirty="0">
+              <a:rPr lang="zh-CN" altLang="en-US" sz="1600">
                 <a:solidFill>
                   <a:srgbClr val="FFFFFF"/>
                 </a:solidFill>
@@ -11925,7 +11889,19 @@
                 <a:cs typeface="Open Sans Light" panose="020B0306030504020204" pitchFamily="34" charset="0"/>
                 <a:sym typeface="微软雅黑" panose="020B0503020204020204" pitchFamily="34" charset="-122"/>
               </a:rPr>
-              <a:t>会显示商品的订单号、商品图片、商品名、尺寸、数量、价格、用户名、电话号码、收货地址。可以根据订单号以及商品名进行搜索商品。</a:t>
+              <a:t>管理员查看显示</a:t>
+            </a:r>
+            <a:r>
+              <a:rPr lang="zh-CN" altLang="en-US" sz="1600" dirty="0">
+                <a:solidFill>
+                  <a:srgbClr val="FFFFFF"/>
+                </a:solidFill>
+                <a:latin typeface="Open Sans Light" panose="020B0306030504020204" pitchFamily="34" charset="0"/>
+                <a:ea typeface="微软雅黑" panose="020B0503020204020204" pitchFamily="34" charset="-122"/>
+                <a:cs typeface="Open Sans Light" panose="020B0306030504020204" pitchFamily="34" charset="0"/>
+                <a:sym typeface="微软雅黑" panose="020B0503020204020204" pitchFamily="34" charset="-122"/>
+              </a:rPr>
+              <a:t>商品的订单号、商品图片、商品名、尺寸、数量、价格、用户名、电话号码、收货地址。可以根据订单号以及商品名进行搜索商品。</a:t>
             </a:r>
             <a:endParaRPr lang="en-US" altLang="zh-CN" sz="1600" dirty="0">
               <a:solidFill>
